--- a/slides/01 Intro to Statisitics.pptx
+++ b/slides/01 Intro to Statisitics.pptx
@@ -230,7 +230,7 @@
           <a:p>
             <a:fld id="{857CFEE1-670C-4713-9117-D27F411F3FE6}" type="datetimeFigureOut">
               <a:rPr lang="en-US" smtClean="0"/>
-              <a:t>2022-11-13</a:t>
+              <a:t>11/13/2022</a:t>
             </a:fld>
             <a:endParaRPr lang="en-US"/>
           </a:p>
@@ -1300,7 +1300,7 @@
           <a:p>
             <a:fld id="{A33CE481-9A1C-4492-AAAC-15D9A773FE48}" type="datetimeFigureOut">
               <a:rPr lang="en-US" smtClean="0"/>
-              <a:t>2022-11-13</a:t>
+              <a:t>11/13/2022</a:t>
             </a:fld>
             <a:endParaRPr lang="en-US"/>
           </a:p>
@@ -1498,7 +1498,7 @@
           <a:p>
             <a:fld id="{A33CE481-9A1C-4492-AAAC-15D9A773FE48}" type="datetimeFigureOut">
               <a:rPr lang="en-US" smtClean="0"/>
-              <a:t>2022-11-13</a:t>
+              <a:t>11/13/2022</a:t>
             </a:fld>
             <a:endParaRPr lang="en-US"/>
           </a:p>
@@ -1706,7 +1706,7 @@
           <a:p>
             <a:fld id="{A33CE481-9A1C-4492-AAAC-15D9A773FE48}" type="datetimeFigureOut">
               <a:rPr lang="en-US" smtClean="0"/>
-              <a:t>2022-11-13</a:t>
+              <a:t>11/13/2022</a:t>
             </a:fld>
             <a:endParaRPr lang="en-US"/>
           </a:p>
@@ -1904,7 +1904,7 @@
           <a:p>
             <a:fld id="{A33CE481-9A1C-4492-AAAC-15D9A773FE48}" type="datetimeFigureOut">
               <a:rPr lang="en-US" smtClean="0"/>
-              <a:t>2022-11-13</a:t>
+              <a:t>11/13/2022</a:t>
             </a:fld>
             <a:endParaRPr lang="en-US"/>
           </a:p>
@@ -2179,7 +2179,7 @@
           <a:p>
             <a:fld id="{A33CE481-9A1C-4492-AAAC-15D9A773FE48}" type="datetimeFigureOut">
               <a:rPr lang="en-US" smtClean="0"/>
-              <a:t>2022-11-13</a:t>
+              <a:t>11/13/2022</a:t>
             </a:fld>
             <a:endParaRPr lang="en-US"/>
           </a:p>
@@ -2444,7 +2444,7 @@
           <a:p>
             <a:fld id="{A33CE481-9A1C-4492-AAAC-15D9A773FE48}" type="datetimeFigureOut">
               <a:rPr lang="en-US" smtClean="0"/>
-              <a:t>2022-11-13</a:t>
+              <a:t>11/13/2022</a:t>
             </a:fld>
             <a:endParaRPr lang="en-US"/>
           </a:p>
@@ -2856,7 +2856,7 @@
           <a:p>
             <a:fld id="{A33CE481-9A1C-4492-AAAC-15D9A773FE48}" type="datetimeFigureOut">
               <a:rPr lang="en-US" smtClean="0"/>
-              <a:t>2022-11-13</a:t>
+              <a:t>11/13/2022</a:t>
             </a:fld>
             <a:endParaRPr lang="en-US"/>
           </a:p>
@@ -2997,7 +2997,7 @@
           <a:p>
             <a:fld id="{A33CE481-9A1C-4492-AAAC-15D9A773FE48}" type="datetimeFigureOut">
               <a:rPr lang="en-US" smtClean="0"/>
-              <a:t>2022-11-13</a:t>
+              <a:t>11/13/2022</a:t>
             </a:fld>
             <a:endParaRPr lang="en-US"/>
           </a:p>
@@ -3110,7 +3110,7 @@
           <a:p>
             <a:fld id="{A33CE481-9A1C-4492-AAAC-15D9A773FE48}" type="datetimeFigureOut">
               <a:rPr lang="en-US" smtClean="0"/>
-              <a:t>2022-11-13</a:t>
+              <a:t>11/13/2022</a:t>
             </a:fld>
             <a:endParaRPr lang="en-US"/>
           </a:p>
@@ -3421,7 +3421,7 @@
           <a:p>
             <a:fld id="{A33CE481-9A1C-4492-AAAC-15D9A773FE48}" type="datetimeFigureOut">
               <a:rPr lang="en-US" smtClean="0"/>
-              <a:t>2022-11-13</a:t>
+              <a:t>11/13/2022</a:t>
             </a:fld>
             <a:endParaRPr lang="en-US"/>
           </a:p>
@@ -3709,7 +3709,7 @@
           <a:p>
             <a:fld id="{A33CE481-9A1C-4492-AAAC-15D9A773FE48}" type="datetimeFigureOut">
               <a:rPr lang="en-US" smtClean="0"/>
-              <a:t>2022-11-13</a:t>
+              <a:t>11/13/2022</a:t>
             </a:fld>
             <a:endParaRPr lang="en-US"/>
           </a:p>
@@ -3950,7 +3950,7 @@
           <a:p>
             <a:fld id="{A33CE481-9A1C-4492-AAAC-15D9A773FE48}" type="datetimeFigureOut">
               <a:rPr lang="en-US" smtClean="0"/>
-              <a:t>2022-11-13</a:t>
+              <a:t>11/13/2022</a:t>
             </a:fld>
             <a:endParaRPr lang="en-US"/>
           </a:p>
@@ -4512,11 +4512,11 @@
               </a:lnSpc>
             </a:pPr>
             <a:r>
-              <a:rPr lang="en-US" altLang="en-US" sz="2400" b="1"/>
+              <a:rPr lang="en-US" altLang="en-US" sz="2400" b="1" dirty="0"/>
               <a:t>simple random sample</a:t>
             </a:r>
             <a:r>
-              <a:rPr lang="en-US" altLang="en-US" sz="2400"/>
+              <a:rPr lang="en-US" altLang="en-US" sz="2400" dirty="0"/>
               <a:t> (each sample of the same size has an equal chance of being selected)</a:t>
             </a:r>
           </a:p>
@@ -4527,11 +4527,11 @@
               </a:lnSpc>
             </a:pPr>
             <a:r>
-              <a:rPr lang="en-US" altLang="en-US" sz="2400" b="1"/>
+              <a:rPr lang="en-US" altLang="en-US" sz="2400" b="1" dirty="0"/>
               <a:t>stratified sample</a:t>
             </a:r>
             <a:r>
-              <a:rPr lang="en-US" altLang="en-US" sz="2400"/>
+              <a:rPr lang="en-US" altLang="en-US" sz="2400" dirty="0"/>
               <a:t> (divide the population into groups called strata and then take a sample from each stratum)</a:t>
             </a:r>
           </a:p>
@@ -4542,11 +4542,11 @@
               </a:lnSpc>
             </a:pPr>
             <a:r>
-              <a:rPr lang="en-US" altLang="en-US" sz="2400" b="1"/>
+              <a:rPr lang="en-US" altLang="en-US" sz="2400" b="1" dirty="0"/>
               <a:t>cluster sample</a:t>
             </a:r>
             <a:r>
-              <a:rPr lang="en-US" altLang="en-US" sz="2400"/>
+              <a:rPr lang="en-US" altLang="en-US" sz="2400" dirty="0"/>
               <a:t> (divide the population into strata and then randomly select some of the strata. All the members from these strata are in the cluster sample.)</a:t>
             </a:r>
           </a:p>
@@ -4557,42 +4557,42 @@
               </a:lnSpc>
             </a:pPr>
             <a:r>
-              <a:rPr lang="en-US" altLang="en-US" sz="2400" b="1"/>
+              <a:rPr lang="en-US" altLang="en-US" sz="2400" b="1" dirty="0"/>
               <a:t>systematic sample</a:t>
             </a:r>
             <a:r>
-              <a:rPr lang="en-US" altLang="en-US" sz="2400"/>
+              <a:rPr lang="en-US" altLang="en-US" sz="2400" dirty="0"/>
               <a:t> (</a:t>
             </a:r>
             <a:r>
-              <a:rPr lang="sk-SK" altLang="en-US" sz="2400"/>
+              <a:rPr lang="sk-SK" altLang="en-US" sz="2400" dirty="0"/>
               <a:t>randomly select a starting point and take every n</a:t>
             </a:r>
             <a:r>
-              <a:rPr lang="en-US" altLang="en-US" sz="2400"/>
+              <a:rPr lang="en-US" altLang="en-US" sz="2400" dirty="0"/>
               <a:t>-</a:t>
             </a:r>
             <a:r>
-              <a:rPr lang="sk-SK" altLang="en-US" sz="2400"/>
+              <a:rPr lang="sk-SK" altLang="en-US" sz="2400" dirty="0"/>
               <a:t>th piece of data from a</a:t>
             </a:r>
             <a:r>
-              <a:rPr lang="en-US" altLang="en-US" sz="2400"/>
+              <a:rPr lang="en-US" altLang="en-US" sz="2400" dirty="0"/>
               <a:t> </a:t>
             </a:r>
             <a:r>
-              <a:rPr lang="sk-SK" altLang="en-US" sz="2400"/>
+              <a:rPr lang="sk-SK" altLang="en-US" sz="2400" dirty="0"/>
               <a:t>listing of the population</a:t>
             </a:r>
             <a:r>
-              <a:rPr lang="en-US" altLang="en-US" sz="2400"/>
+              <a:rPr lang="en-US" altLang="en-US" sz="2400" dirty="0"/>
               <a:t>)</a:t>
             </a:r>
-            <a:endParaRPr lang="sk-SK" altLang="en-US" sz="2400"/>
+            <a:endParaRPr lang="sk-SK" altLang="en-US" sz="2400" dirty="0"/>
           </a:p>
           <a:p>
             <a:pPr eaLnBrk="1" hangingPunct="1"/>
-            <a:endParaRPr lang="sk-SK" altLang="en-US"/>
+            <a:endParaRPr lang="sk-SK" altLang="en-US" dirty="0"/>
           </a:p>
         </p:txBody>
       </p:sp>
@@ -4847,8 +4847,8 @@
         </p:blipFill>
         <p:spPr bwMode="auto">
           <a:xfrm>
-            <a:off x="2566989" y="88900"/>
-            <a:ext cx="7056437" cy="6680200"/>
+            <a:off x="2676948" y="485070"/>
+            <a:ext cx="6434102" cy="6091047"/>
           </a:xfrm>
           <a:prstGeom prst="rect">
             <a:avLst/>
@@ -5296,7 +5296,7 @@
               </a:lnSpc>
             </a:pPr>
             <a:r>
-              <a:rPr lang="en-US" altLang="en-US" sz="3200"/>
+              <a:rPr lang="en-US" altLang="en-US" sz="3200" dirty="0"/>
               <a:t>Collect data</a:t>
             </a:r>
           </a:p>
@@ -5307,7 +5307,7 @@
               </a:lnSpc>
             </a:pPr>
             <a:r>
-              <a:rPr lang="en-US" altLang="en-US" sz="2700"/>
+              <a:rPr lang="en-US" altLang="en-US" sz="2700" dirty="0"/>
               <a:t>e.g., Survey</a:t>
             </a:r>
           </a:p>
@@ -5318,7 +5318,7 @@
               </a:lnSpc>
             </a:pPr>
             <a:r>
-              <a:rPr lang="en-US" altLang="en-US" sz="3200"/>
+              <a:rPr lang="en-US" altLang="en-US" sz="3200" dirty="0"/>
               <a:t>Present data</a:t>
             </a:r>
           </a:p>
@@ -5329,7 +5329,7 @@
               </a:lnSpc>
             </a:pPr>
             <a:r>
-              <a:rPr lang="en-US" altLang="en-US" sz="2700"/>
+              <a:rPr lang="en-US" altLang="en-US" sz="2700" dirty="0"/>
               <a:t>e.g., Tables and graphs</a:t>
             </a:r>
           </a:p>
@@ -5340,7 +5340,7 @@
               </a:lnSpc>
             </a:pPr>
             <a:r>
-              <a:rPr lang="en-US" altLang="en-US" sz="3200"/>
+              <a:rPr lang="en-US" altLang="en-US" sz="3200" dirty="0"/>
               <a:t>Summarize data</a:t>
             </a:r>
           </a:p>
@@ -5351,11 +5351,11 @@
               </a:lnSpc>
             </a:pPr>
             <a:r>
-              <a:rPr lang="en-US" altLang="en-US" sz="2700"/>
+              <a:rPr lang="en-US" altLang="en-US" sz="2700" dirty="0"/>
               <a:t>e.g., Sample mean =</a:t>
             </a:r>
             <a:r>
-              <a:rPr lang="en-US" altLang="en-US" sz="2800"/>
+              <a:rPr lang="en-US" altLang="en-US" sz="2800" dirty="0"/>
               <a:t> </a:t>
             </a:r>
           </a:p>
@@ -5383,12 +5383,12 @@
           <a:graphicData uri="http://schemas.openxmlformats.org/presentationml/2006/ole">
             <mc:AlternateContent xmlns:mc="http://schemas.openxmlformats.org/markup-compatibility/2006">
               <mc:Choice xmlns:v="urn:schemas-microsoft-com:vml" Requires="v">
-                <p:oleObj spid="_x0000_s1032" name="Equation" r:id="rId3" imgW="418918" imgH="431613" progId="">
+                <p:oleObj name="Equation" r:id="rId2" imgW="418918" imgH="431613" progId="">
                   <p:embed/>
                 </p:oleObj>
               </mc:Choice>
               <mc:Fallback>
-                <p:oleObj name="Equation" r:id="rId3" imgW="418918" imgH="431613" progId="">
+                <p:oleObj name="Equation" r:id="rId2" imgW="418918" imgH="431613" progId="">
                   <p:embed/>
                   <p:pic>
                     <p:nvPicPr>
@@ -5405,7 +5405,7 @@
                       <p:nvPr/>
                     </p:nvPicPr>
                     <p:blipFill>
-                      <a:blip r:embed="rId4">
+                      <a:blip r:embed="rId3">
                         <a:extLst>
                           <a:ext uri="{28A0092B-C50C-407E-A947-70E740481C1C}">
                             <a14:useLocalDpi xmlns:a14="http://schemas.microsoft.com/office/drawing/2010/main" val="0"/>
@@ -5479,12 +5479,12 @@
           <a:graphicData uri="http://schemas.openxmlformats.org/presentationml/2006/ole">
             <mc:AlternateContent xmlns:mc="http://schemas.openxmlformats.org/markup-compatibility/2006">
               <mc:Choice xmlns:v="urn:schemas-microsoft-com:vml" Requires="v">
-                <p:oleObj spid="_x0000_s1033" name="Clip" r:id="rId5" imgW="1800275" imgH="1272553" progId="">
+                <p:oleObj name="Clip" r:id="rId4" imgW="1800275" imgH="1272553" progId="">
                   <p:embed/>
                 </p:oleObj>
               </mc:Choice>
               <mc:Fallback>
-                <p:oleObj name="Clip" r:id="rId5" imgW="1800275" imgH="1272553" progId="">
+                <p:oleObj name="Clip" r:id="rId4" imgW="1800275" imgH="1272553" progId="">
                   <p:embed/>
                   <p:pic>
                     <p:nvPicPr>
@@ -5502,7 +5502,7 @@
                       <p:nvPr/>
                     </p:nvPicPr>
                     <p:blipFill>
-                      <a:blip r:embed="rId6">
+                      <a:blip r:embed="rId5">
                         <a:extLst>
                           <a:ext uri="{28A0092B-C50C-407E-A947-70E740481C1C}">
                             <a14:useLocalDpi xmlns:a14="http://schemas.microsoft.com/office/drawing/2010/main" val="0"/>
@@ -7328,7 +7328,7 @@
           <p:nvPr/>
         </p:nvPicPr>
         <p:blipFill>
-          <a:blip r:embed="rId7">
+          <a:blip r:embed="rId6">
             <a:extLst>
               <a:ext uri="{28A0092B-C50C-407E-A947-70E740481C1C}">
                 <a14:useLocalDpi xmlns:a14="http://schemas.microsoft.com/office/drawing/2010/main" val="0"/>
@@ -7388,7 +7388,7 @@
           <p:nvPr/>
         </p:nvPicPr>
         <p:blipFill>
-          <a:blip r:embed="rId8">
+          <a:blip r:embed="rId7">
             <a:extLst>
               <a:ext uri="{28A0092B-C50C-407E-A947-70E740481C1C}">
                 <a14:useLocalDpi xmlns:a14="http://schemas.microsoft.com/office/drawing/2010/main" val="0"/>
@@ -7448,7 +7448,7 @@
           <p:nvPr/>
         </p:nvPicPr>
         <p:blipFill>
-          <a:blip r:embed="rId8">
+          <a:blip r:embed="rId7">
             <a:extLst>
               <a:ext uri="{28A0092B-C50C-407E-A947-70E740481C1C}">
                 <a14:useLocalDpi xmlns:a14="http://schemas.microsoft.com/office/drawing/2010/main" val="0"/>
@@ -7508,7 +7508,7 @@
           <p:nvPr/>
         </p:nvPicPr>
         <p:blipFill>
-          <a:blip r:embed="rId8">
+          <a:blip r:embed="rId7">
             <a:extLst>
               <a:ext uri="{28A0092B-C50C-407E-A947-70E740481C1C}">
                 <a14:useLocalDpi xmlns:a14="http://schemas.microsoft.com/office/drawing/2010/main" val="0"/>
@@ -7869,7 +7869,7 @@
           <a:p>
             <a:pPr eaLnBrk="1" hangingPunct="1"/>
             <a:r>
-              <a:rPr lang="sk-SK" altLang="en-US"/>
+              <a:rPr lang="sk-SK" altLang="en-US" dirty="0"/>
               <a:t>Statistics</a:t>
             </a:r>
           </a:p>
@@ -7898,14 +7898,14 @@
           <a:p>
             <a:pPr eaLnBrk="1" hangingPunct="1"/>
             <a:r>
-              <a:rPr lang="sk-SK" altLang="en-US"/>
+              <a:rPr lang="sk-SK" altLang="en-US" dirty="0"/>
               <a:t>The science of collectiong, organizing, presenting, analyzing, and interpreting data to assist in making more effective decisions</a:t>
             </a:r>
           </a:p>
           <a:p>
             <a:pPr eaLnBrk="1" hangingPunct="1"/>
             <a:r>
-              <a:rPr lang="sk-SK" altLang="en-US"/>
+              <a:rPr lang="sk-SK" altLang="en-US" dirty="0"/>
               <a:t>Statistical analysis – used to manipulate  summarize, and investigate data, so that useful decision-making information results.</a:t>
             </a:r>
           </a:p>
@@ -9227,16 +9227,31 @@
               <a:buAutoNum type="arabicPeriod"/>
             </a:pPr>
             <a:r>
-              <a:rPr lang="en-US" altLang="en-US"/>
+              <a:rPr lang="en-US" altLang="en-US" dirty="0"/>
               <a:t>A </a:t>
             </a:r>
             <a:r>
-              <a:rPr lang="en-US" altLang="en-US" b="1"/>
+              <a:rPr lang="en-US" altLang="en-US" b="1" dirty="0"/>
               <a:t>nominal scale</a:t>
             </a:r>
             <a:r>
-              <a:rPr lang="en-US" altLang="en-US"/>
-              <a:t> is an unordered set of categories identified only by name.  Nominal measurements only permit you to determine whether two individuals are the same or different.</a:t>
+              <a:rPr lang="en-US" altLang="en-US" dirty="0"/>
+              <a:t> is an </a:t>
+            </a:r>
+            <a:r>
+              <a:rPr lang="en-US" altLang="en-US" b="1" dirty="0"/>
+              <a:t>unordered set of categories </a:t>
+            </a:r>
+            <a:r>
+              <a:rPr lang="en-US" altLang="en-US" dirty="0"/>
+              <a:t>identified only by name.  Nominal measurements only permit you to determine whether two individuals are the same or different.</a:t>
+            </a:r>
+          </a:p>
+          <a:p>
+            <a:pPr lvl="1"/>
+            <a:r>
+              <a:rPr lang="en-US" altLang="en-US" dirty="0"/>
+              <a:t>Color: Red, Orange, Blue </a:t>
             </a:r>
           </a:p>
           <a:p>
@@ -9245,17 +9260,50 @@
               <a:buAutoNum type="arabicPeriod"/>
             </a:pPr>
             <a:r>
-              <a:rPr lang="en-US" altLang="en-US"/>
+              <a:rPr lang="en-US" altLang="en-US" dirty="0"/>
               <a:t>An </a:t>
             </a:r>
             <a:r>
-              <a:rPr lang="en-US" altLang="en-US" b="1"/>
+              <a:rPr lang="en-US" altLang="en-US" b="1" dirty="0"/>
               <a:t>ordinal scale</a:t>
             </a:r>
             <a:r>
-              <a:rPr lang="en-US" altLang="en-US"/>
-              <a:t> is an ordered set of categories.  Ordinal measurements tell you the direction of difference between two individuals.</a:t>
-            </a:r>
+              <a:rPr lang="en-US" altLang="en-US" dirty="0"/>
+              <a:t> is an </a:t>
+            </a:r>
+            <a:r>
+              <a:rPr lang="en-US" altLang="en-US" b="1" dirty="0"/>
+              <a:t>ordered set of categories</a:t>
+            </a:r>
+            <a:r>
+              <a:rPr lang="en-US" altLang="en-US" dirty="0"/>
+              <a:t>.  Ordinal measurements tell you the direction of difference between two individuals.</a:t>
+            </a:r>
+          </a:p>
+          <a:p>
+            <a:pPr lvl="1"/>
+            <a:r>
+              <a:rPr lang="en-US" altLang="en-US" dirty="0"/>
+              <a:t>Grade: Excellent, v. good, good, fair, …. </a:t>
+            </a:r>
+          </a:p>
+          <a:p>
+            <a:pPr lvl="1"/>
+            <a:r>
+              <a:rPr lang="en-US" altLang="en-US" dirty="0"/>
+              <a:t>Temp: High, medium, low </a:t>
+            </a:r>
+          </a:p>
+          <a:p>
+            <a:pPr lvl="1"/>
+            <a:r>
+              <a:rPr lang="en-US" altLang="en-US" dirty="0"/>
+              <a:t>Freq: everyday, sometimes, never, … </a:t>
+            </a:r>
+          </a:p>
+          <a:p>
+            <a:pPr lvl="2"/>
+            <a:endParaRPr lang="en-US" altLang="en-US" dirty="0"/>
           </a:p>
         </p:txBody>
       </p:sp>
@@ -9360,50 +9408,124 @@
         </p:nvSpPr>
         <p:spPr>
           <a:xfrm>
-            <a:off x="1981200" y="1600200"/>
-            <a:ext cx="8229600" cy="4648200"/>
+            <a:off x="691763" y="1600200"/>
+            <a:ext cx="10933043" cy="4648200"/>
           </a:xfrm>
         </p:spPr>
         <p:txBody>
-          <a:bodyPr/>
+          <a:bodyPr>
+            <a:normAutofit/>
+          </a:bodyPr>
           <a:lstStyle/>
           <a:p>
             <a:pPr marL="533400" indent="-533400">
-              <a:buNone/>
+              <a:buAutoNum type="arabicPeriod" startAt="3"/>
             </a:pPr>
             <a:r>
-              <a:rPr lang="en-US" altLang="en-US"/>
-              <a:t>3.  An </a:t>
-            </a:r>
-            <a:r>
-              <a:rPr lang="en-US" altLang="en-US" b="1"/>
+              <a:rPr lang="en-US" altLang="en-US" dirty="0"/>
+              <a:t>An </a:t>
+            </a:r>
+            <a:r>
+              <a:rPr lang="en-US" altLang="en-US" b="1" dirty="0"/>
               <a:t>interval scale</a:t>
             </a:r>
             <a:r>
-              <a:rPr lang="en-US" altLang="en-US"/>
-              <a:t> is an ordered series of equal-sized categories.  Interval measurements identify the direction and magnitude of a difference.  The zero point is located arbitrarily on an interval scale.</a:t>
+              <a:rPr lang="en-US" altLang="en-US" dirty="0"/>
+              <a:t> is an </a:t>
+            </a:r>
+            <a:r>
+              <a:rPr lang="en-US" altLang="en-US" b="1" dirty="0"/>
+              <a:t>ordered series </a:t>
+            </a:r>
+            <a:r>
+              <a:rPr lang="en-US" altLang="en-US" dirty="0"/>
+              <a:t>of </a:t>
+            </a:r>
+            <a:r>
+              <a:rPr lang="en-US" altLang="en-US" b="1" dirty="0"/>
+              <a:t>equal-sized categories.</a:t>
+            </a:r>
+            <a:r>
+              <a:rPr lang="en-US" altLang="en-US" dirty="0"/>
+              <a:t>  Interval measurements identify the direction and magnitude of a difference.  The zero point is located arbitrarily on an interval scale.</a:t>
+            </a:r>
+          </a:p>
+          <a:p>
+            <a:pPr lvl="1"/>
+            <a:r>
+              <a:rPr lang="en-US" altLang="en-US" dirty="0"/>
+              <a:t>Age: 16-20, 21-25, 26-30, …..</a:t>
             </a:r>
           </a:p>
           <a:p>
             <a:pPr marL="533400" indent="-533400">
-              <a:buNone/>
+              <a:buAutoNum type="arabicPeriod" startAt="4"/>
             </a:pPr>
             <a:r>
-              <a:rPr lang="en-US" altLang="en-US"/>
-              <a:t>4.  A </a:t>
-            </a:r>
-            <a:r>
-              <a:rPr lang="en-US" altLang="en-US" b="1"/>
+              <a:rPr lang="en-US" altLang="en-US" dirty="0"/>
+              <a:t>A </a:t>
+            </a:r>
+            <a:r>
+              <a:rPr lang="en-US" altLang="en-US" b="1" dirty="0"/>
               <a:t>ratio scale</a:t>
             </a:r>
             <a:r>
-              <a:rPr lang="en-US" altLang="en-US"/>
+              <a:rPr lang="en-US" altLang="en-US" dirty="0"/>
               <a:t> is an interval scale where a value of zero indicates none of the variable.  Ratio measurements identify the direction and magnitude of differences and allow ratio comparisons of measurements.</a:t>
             </a:r>
           </a:p>
           <a:p>
+            <a:pPr lvl="1"/>
+            <a:r>
+              <a:rPr lang="en-US" altLang="en-US" dirty="0"/>
+              <a:t>Age: 65 </a:t>
+            </a:r>
+            <a:r>
+              <a:rPr lang="en-US" altLang="en-US" dirty="0">
+                <a:sym typeface="Wingdings" panose="05000000000000000000" pitchFamily="2" charset="2"/>
+              </a:rPr>
+              <a:t> 0.6</a:t>
+            </a:r>
+            <a:endParaRPr lang="en-US" altLang="en-US" dirty="0"/>
+          </a:p>
+          <a:p>
+            <a:pPr lvl="1"/>
+            <a:r>
+              <a:rPr lang="en-US" altLang="en-US" dirty="0"/>
+              <a:t>Income: 36,000 </a:t>
+            </a:r>
+            <a:r>
+              <a:rPr lang="en-US" altLang="en-US" dirty="0">
+                <a:sym typeface="Wingdings" panose="05000000000000000000" pitchFamily="2" charset="2"/>
+              </a:rPr>
+              <a:t> 0.33 </a:t>
+            </a:r>
+            <a:r>
+              <a:rPr lang="en-US" altLang="en-US" dirty="0"/>
+              <a:t> </a:t>
+            </a:r>
+          </a:p>
+          <a:p>
+            <a:pPr lvl="1"/>
+            <a:r>
+              <a:rPr lang="en-US" altLang="en-US" dirty="0"/>
+              <a:t>Given: Age 17. Max: 70, min 13 </a:t>
+            </a:r>
+            <a:r>
+              <a:rPr lang="en-US" altLang="en-US" dirty="0">
+                <a:sym typeface="Wingdings" panose="05000000000000000000" pitchFamily="2" charset="2"/>
+              </a:rPr>
+              <a:t> (17 – min) / (max – min) </a:t>
+            </a:r>
+            <a:endParaRPr lang="en-US" altLang="en-US" dirty="0"/>
+          </a:p>
+          <a:p>
+            <a:pPr lvl="1"/>
+            <a:endParaRPr lang="en-US" altLang="en-US" dirty="0"/>
+          </a:p>
+          <a:p>
             <a:pPr marL="533400" indent="-533400"/>
-            <a:endParaRPr lang="en-US" altLang="en-US"/>
+            <a:endParaRPr lang="en-US" altLang="en-US" dirty="0"/>
           </a:p>
         </p:txBody>
       </p:sp>
@@ -9512,30 +9634,72 @@
           <a:lstStyle/>
           <a:p>
             <a:r>
-              <a:rPr lang="en-US" altLang="en-US"/>
+              <a:rPr lang="en-US" altLang="en-US" dirty="0"/>
               <a:t>The goal of a </a:t>
             </a:r>
             <a:r>
-              <a:rPr lang="en-US" altLang="en-US" b="1"/>
+              <a:rPr lang="en-US" altLang="en-US" b="1" dirty="0"/>
               <a:t>correlational</a:t>
             </a:r>
             <a:r>
-              <a:rPr lang="en-US" altLang="en-US"/>
-              <a:t> study is to determine whether there is a relationship between two variables and to describe the relationship.  </a:t>
-            </a:r>
-          </a:p>
-          <a:p>
-            <a:r>
-              <a:rPr lang="en-US" altLang="en-US"/>
+              <a:rPr lang="en-US" altLang="en-US" dirty="0"/>
+              <a:t> study is to determine whether there is a </a:t>
+            </a:r>
+            <a:r>
+              <a:rPr lang="en-US" altLang="en-US" b="1" dirty="0"/>
+              <a:t>relationship between two variables </a:t>
+            </a:r>
+            <a:r>
+              <a:rPr lang="en-US" altLang="en-US" dirty="0"/>
+              <a:t>and to describe the relationship.  </a:t>
+            </a:r>
+          </a:p>
+          <a:p>
+            <a:r>
+              <a:rPr lang="en-US" altLang="en-US" dirty="0"/>
               <a:t>A </a:t>
             </a:r>
             <a:r>
-              <a:rPr lang="en-US" altLang="en-US" b="1"/>
+              <a:rPr lang="en-US" altLang="en-US" b="1" dirty="0"/>
               <a:t>correlational</a:t>
             </a:r>
             <a:r>
-              <a:rPr lang="en-US" altLang="en-US"/>
+              <a:rPr lang="en-US" altLang="en-US" dirty="0"/>
               <a:t> study simply observes the two variables as they exist naturally. </a:t>
+            </a:r>
+          </a:p>
+          <a:p>
+            <a:r>
+              <a:rPr lang="en-US" altLang="en-US" dirty="0"/>
+              <a:t>Correlation coefficient </a:t>
+            </a:r>
+          </a:p>
+          <a:p>
+            <a:pPr lvl="1"/>
+            <a:r>
+              <a:rPr lang="en-US" altLang="en-US" dirty="0"/>
+              <a:t>Range [-1, 1]</a:t>
+            </a:r>
+          </a:p>
+          <a:p>
+            <a:pPr lvl="1"/>
+            <a:r>
+              <a:rPr lang="en-US" altLang="en-US" dirty="0"/>
+              <a:t>-1: negative correlation </a:t>
+            </a:r>
+          </a:p>
+          <a:p>
+            <a:pPr lvl="1"/>
+            <a:r>
+              <a:rPr lang="en-US" altLang="en-US" dirty="0"/>
+              <a:t>+1: positive correlation </a:t>
+            </a:r>
+          </a:p>
+          <a:p>
+            <a:pPr lvl="1"/>
+            <a:r>
+              <a:rPr lang="en-US" altLang="en-US" dirty="0"/>
+              <a:t>0: no relation </a:t>
             </a:r>
           </a:p>
         </p:txBody>
@@ -9996,8 +10160,8 @@
         </p:blipFill>
         <p:spPr bwMode="auto">
           <a:xfrm>
-            <a:off x="3432176" y="88900"/>
-            <a:ext cx="5326063" cy="6680200"/>
+            <a:off x="3180521" y="0"/>
+            <a:ext cx="6011187" cy="7539515"/>
           </a:xfrm>
           <a:prstGeom prst="rect">
             <a:avLst/>
@@ -10239,36 +10403,36 @@
           <a:p>
             <a:pPr eaLnBrk="1" hangingPunct="1"/>
             <a:r>
-              <a:rPr lang="sk-SK" altLang="en-US" b="1"/>
+              <a:rPr lang="sk-SK" altLang="en-US" b="1" dirty="0"/>
               <a:t>Descriptive statistics </a:t>
             </a:r>
             <a:r>
-              <a:rPr lang="sk-SK" altLang="en-US"/>
+              <a:rPr lang="sk-SK" altLang="en-US" dirty="0"/>
               <a:t>– Methods of organizing, summarizing, and presenting data in an informative way</a:t>
             </a:r>
           </a:p>
           <a:p>
             <a:pPr eaLnBrk="1" hangingPunct="1"/>
             <a:r>
-              <a:rPr lang="sk-SK" altLang="en-US" b="1"/>
+              <a:rPr lang="sk-SK" altLang="en-US" b="1" dirty="0"/>
               <a:t>Inferential statistics </a:t>
             </a:r>
             <a:r>
-              <a:rPr lang="sk-SK" altLang="en-US"/>
+              <a:rPr lang="sk-SK" altLang="en-US" dirty="0"/>
               <a:t>– The methods used to determine something about a population on the basis of a sample</a:t>
             </a:r>
           </a:p>
           <a:p>
             <a:pPr lvl="1" eaLnBrk="1" hangingPunct="1"/>
             <a:r>
-              <a:rPr lang="sk-SK" altLang="en-US"/>
+              <a:rPr lang="sk-SK" altLang="en-US" dirty="0"/>
               <a:t>Population –The entire set of individuals or objects of interest or the measurements obtained from all individuals or objects of interest</a:t>
             </a:r>
           </a:p>
           <a:p>
             <a:pPr lvl="1" eaLnBrk="1" hangingPunct="1"/>
             <a:r>
-              <a:rPr lang="sk-SK" altLang="en-US"/>
+              <a:rPr lang="sk-SK" altLang="en-US" dirty="0"/>
               <a:t>Sample – A portion, or part, of the population of interest</a:t>
             </a:r>
           </a:p>
@@ -10442,8 +10606,8 @@
         </p:blipFill>
         <p:spPr bwMode="auto">
           <a:xfrm>
-            <a:off x="3508376" y="88900"/>
-            <a:ext cx="5173663" cy="6680200"/>
+            <a:off x="3600042" y="262393"/>
+            <a:ext cx="4991915" cy="6445528"/>
           </a:xfrm>
           <a:prstGeom prst="rect">
             <a:avLst/>
@@ -10565,21 +10729,29 @@
           <a:lstStyle/>
           <a:p>
             <a:r>
-              <a:rPr lang="en-US" altLang="en-US"/>
-              <a:t>The measurements obtained in a research study are called the </a:t>
-            </a:r>
-            <a:r>
-              <a:rPr lang="en-US" altLang="en-US" b="1"/>
+              <a:rPr lang="en-US" altLang="en-US" dirty="0"/>
+              <a:t>The </a:t>
+            </a:r>
+            <a:r>
+              <a:rPr lang="en-US" altLang="en-US" b="1" dirty="0"/>
+              <a:t>measurements</a:t>
+            </a:r>
+            <a:r>
+              <a:rPr lang="en-US" altLang="en-US" dirty="0"/>
+              <a:t> obtained in a research study are called the </a:t>
+            </a:r>
+            <a:r>
+              <a:rPr lang="en-US" altLang="en-US" b="1" dirty="0"/>
               <a:t>data</a:t>
             </a:r>
             <a:r>
-              <a:rPr lang="en-US" altLang="en-US"/>
+              <a:rPr lang="en-US" altLang="en-US" dirty="0"/>
               <a:t>.  </a:t>
             </a:r>
           </a:p>
           <a:p>
             <a:r>
-              <a:rPr lang="en-US" altLang="en-US"/>
+              <a:rPr lang="en-US" altLang="en-US" dirty="0"/>
               <a:t>The goal of statistics is to help researchers organize and interpret the data. </a:t>
             </a:r>
           </a:p>
@@ -10885,7 +11057,7 @@
               </a:lnSpc>
             </a:pPr>
             <a:r>
-              <a:rPr lang="en-US" altLang="en-US" sz="2400"/>
+              <a:rPr lang="en-US" altLang="en-US" sz="2400" dirty="0"/>
               <a:t>Estimation</a:t>
             </a:r>
           </a:p>
@@ -10896,7 +11068,7 @@
               </a:lnSpc>
             </a:pPr>
             <a:r>
-              <a:rPr lang="en-US" altLang="en-US" sz="2300"/>
+              <a:rPr lang="en-US" altLang="en-US" sz="2300" dirty="0"/>
               <a:t>e.g., Estimate the population mean weight using the sample mean weight</a:t>
             </a:r>
           </a:p>
@@ -10907,7 +11079,7 @@
               </a:lnSpc>
             </a:pPr>
             <a:r>
-              <a:rPr lang="en-US" altLang="en-US" sz="2400"/>
+              <a:rPr lang="en-US" altLang="en-US" sz="2400" dirty="0"/>
               <a:t>Hypothesis testing</a:t>
             </a:r>
           </a:p>
@@ -10918,7 +11090,7 @@
               </a:lnSpc>
             </a:pPr>
             <a:r>
-              <a:rPr lang="en-US" altLang="en-US" sz="2300"/>
+              <a:rPr lang="en-US" altLang="en-US" sz="2300" dirty="0"/>
               <a:t>e.g., Test the claim that the population mean weight is 70 kg</a:t>
             </a:r>
           </a:p>
@@ -11348,21 +11520,21 @@
           <a:lstStyle/>
           <a:p>
             <a:r>
-              <a:rPr lang="en-US" altLang="en-US"/>
+              <a:rPr lang="en-US" altLang="en-US" dirty="0"/>
               <a:t>The entire group of individuals is called the </a:t>
             </a:r>
             <a:r>
-              <a:rPr lang="en-US" altLang="en-US" b="1"/>
+              <a:rPr lang="en-US" altLang="en-US" b="1" dirty="0"/>
               <a:t>population</a:t>
             </a:r>
             <a:r>
-              <a:rPr lang="en-US" altLang="en-US"/>
+              <a:rPr lang="en-US" altLang="en-US" dirty="0"/>
               <a:t>.  </a:t>
             </a:r>
           </a:p>
           <a:p>
             <a:r>
-              <a:rPr lang="en-US" altLang="en-US"/>
+              <a:rPr lang="en-US" altLang="en-US" dirty="0"/>
               <a:t>For example, a researcher may be interested in the relation between class size (variable 1) and academic performance (variable 2) for the population of third-grade children.  </a:t>
             </a:r>
           </a:p>
@@ -11473,15 +11645,15 @@
           <a:lstStyle/>
           <a:p>
             <a:r>
-              <a:rPr lang="en-US" altLang="en-US"/>
+              <a:rPr lang="en-US" altLang="en-US" dirty="0"/>
               <a:t>Usually populations are so large that a researcher cannot examine the entire group.  Therefore, a </a:t>
             </a:r>
             <a:r>
-              <a:rPr lang="en-US" altLang="en-US" b="1"/>
+              <a:rPr lang="en-US" altLang="en-US" b="1" dirty="0"/>
               <a:t>sample</a:t>
             </a:r>
             <a:r>
-              <a:rPr lang="en-US" altLang="en-US"/>
+              <a:rPr lang="en-US" altLang="en-US" dirty="0"/>
               <a:t> is selected to represent the population in a research study.  The goal is to use the results obtained from the sample to help answer questions about the population.</a:t>
             </a:r>
           </a:p>
@@ -11490,10 +11662,10 @@
               <a:buFontTx/>
               <a:buNone/>
             </a:pPr>
-            <a:endParaRPr lang="en-US" altLang="en-US"/>
-          </a:p>
-          <a:p>
-            <a:endParaRPr lang="en-US" altLang="en-US"/>
+            <a:endParaRPr lang="en-US" altLang="en-US" dirty="0"/>
+          </a:p>
+          <a:p>
+            <a:endParaRPr lang="en-US" altLang="en-US" dirty="0"/>
           </a:p>
         </p:txBody>
       </p:sp>
@@ -11690,8 +11862,8 @@
         </p:blipFill>
         <p:spPr>
           <a:xfrm>
-            <a:off x="2711451" y="1773239"/>
-            <a:ext cx="6835775" cy="3971925"/>
+            <a:off x="495300" y="485545"/>
+            <a:ext cx="11117579" cy="6459866"/>
           </a:xfrm>
           <a:noFill/>
         </p:spPr>
